--- a/中越詩歌/Phuoc Cho Nhan Loai_樂哉主臨_v2.pptx
+++ b/中越詩歌/Phuoc Cho Nhan Loai_樂哉主臨_v2.pptx
@@ -124,6 +124,11 @@
       </a:defRPr>
     </a:lvl9pPr>
   </p:defaultTextStyle>
+  <p:extLst>
+    <p:ext uri="{EFAFB233-063F-42B5-8137-9DF3F51BA10A}">
+      <p15:sldGuideLst xmlns:p15="http://schemas.microsoft.com/office/powerpoint/2012/main"/>
+    </p:ext>
+  </p:extLst>
 </p:presentation>
 </file>
 
@@ -165,7 +170,7 @@
           <a:lstStyle/>
           <a:p>
             <a:r>
-              <a:rPr lang="en-US" altLang="zh-TW" smtClean="0"/>
+              <a:rPr lang="en-US" altLang="zh-TW"/>
               <a:t>Click to edit Master title style</a:t>
             </a:r>
             <a:endParaRPr lang="zh-TW" altLang="en-US"/>
@@ -284,7 +289,7 @@
           </a:lstStyle>
           <a:p>
             <a:r>
-              <a:rPr lang="en-US" altLang="zh-TW" smtClean="0"/>
+              <a:rPr lang="en-US" altLang="zh-TW"/>
               <a:t>Click to edit Master subtitle style</a:t>
             </a:r>
             <a:endParaRPr lang="zh-TW" altLang="en-US"/>
@@ -308,7 +313,7 @@
           <a:p>
             <a:fld id="{180209D3-E5C2-4012-9501-CA4736FF4C14}" type="datetimeFigureOut">
               <a:rPr lang="vi-VN" smtClean="0"/>
-              <a:t>17/12/2021</a:t>
+              <a:t>09/12/2023</a:t>
             </a:fld>
             <a:endParaRPr lang="vi-VN"/>
           </a:p>
@@ -402,7 +407,7 @@
           <a:lstStyle/>
           <a:p>
             <a:r>
-              <a:rPr lang="en-US" altLang="zh-TW" smtClean="0"/>
+              <a:rPr lang="en-US" altLang="zh-TW"/>
               <a:t>Click to edit Master title style</a:t>
             </a:r>
             <a:endParaRPr lang="zh-TW" altLang="en-US"/>
@@ -426,35 +431,35 @@
           <a:p>
             <a:pPr lvl="0"/>
             <a:r>
-              <a:rPr lang="en-US" altLang="zh-TW" smtClean="0"/>
+              <a:rPr lang="en-US" altLang="zh-TW"/>
               <a:t>Edit Master text styles</a:t>
             </a:r>
           </a:p>
           <a:p>
             <a:pPr lvl="1"/>
             <a:r>
-              <a:rPr lang="en-US" altLang="zh-TW" smtClean="0"/>
+              <a:rPr lang="en-US" altLang="zh-TW"/>
               <a:t>Second level</a:t>
             </a:r>
           </a:p>
           <a:p>
             <a:pPr lvl="2"/>
             <a:r>
-              <a:rPr lang="en-US" altLang="zh-TW" smtClean="0"/>
+              <a:rPr lang="en-US" altLang="zh-TW"/>
               <a:t>Third level</a:t>
             </a:r>
           </a:p>
           <a:p>
             <a:pPr lvl="3"/>
             <a:r>
-              <a:rPr lang="en-US" altLang="zh-TW" smtClean="0"/>
+              <a:rPr lang="en-US" altLang="zh-TW"/>
               <a:t>Fourth level</a:t>
             </a:r>
           </a:p>
           <a:p>
             <a:pPr lvl="4"/>
             <a:r>
-              <a:rPr lang="en-US" altLang="zh-TW" smtClean="0"/>
+              <a:rPr lang="en-US" altLang="zh-TW"/>
               <a:t>Fifth level</a:t>
             </a:r>
             <a:endParaRPr lang="zh-TW" altLang="en-US"/>
@@ -478,7 +483,7 @@
           <a:p>
             <a:fld id="{180209D3-E5C2-4012-9501-CA4736FF4C14}" type="datetimeFigureOut">
               <a:rPr lang="vi-VN" smtClean="0"/>
-              <a:t>17/12/2021</a:t>
+              <a:t>09/12/2023</a:t>
             </a:fld>
             <a:endParaRPr lang="vi-VN"/>
           </a:p>
@@ -577,7 +582,7 @@
           <a:lstStyle/>
           <a:p>
             <a:r>
-              <a:rPr lang="en-US" altLang="zh-TW" smtClean="0"/>
+              <a:rPr lang="en-US" altLang="zh-TW"/>
               <a:t>Click to edit Master title style</a:t>
             </a:r>
             <a:endParaRPr lang="zh-TW" altLang="en-US"/>
@@ -606,35 +611,35 @@
           <a:p>
             <a:pPr lvl="0"/>
             <a:r>
-              <a:rPr lang="en-US" altLang="zh-TW" smtClean="0"/>
+              <a:rPr lang="en-US" altLang="zh-TW"/>
               <a:t>Edit Master text styles</a:t>
             </a:r>
           </a:p>
           <a:p>
             <a:pPr lvl="1"/>
             <a:r>
-              <a:rPr lang="en-US" altLang="zh-TW" smtClean="0"/>
+              <a:rPr lang="en-US" altLang="zh-TW"/>
               <a:t>Second level</a:t>
             </a:r>
           </a:p>
           <a:p>
             <a:pPr lvl="2"/>
             <a:r>
-              <a:rPr lang="en-US" altLang="zh-TW" smtClean="0"/>
+              <a:rPr lang="en-US" altLang="zh-TW"/>
               <a:t>Third level</a:t>
             </a:r>
           </a:p>
           <a:p>
             <a:pPr lvl="3"/>
             <a:r>
-              <a:rPr lang="en-US" altLang="zh-TW" smtClean="0"/>
+              <a:rPr lang="en-US" altLang="zh-TW"/>
               <a:t>Fourth level</a:t>
             </a:r>
           </a:p>
           <a:p>
             <a:pPr lvl="4"/>
             <a:r>
-              <a:rPr lang="en-US" altLang="zh-TW" smtClean="0"/>
+              <a:rPr lang="en-US" altLang="zh-TW"/>
               <a:t>Fifth level</a:t>
             </a:r>
             <a:endParaRPr lang="zh-TW" altLang="en-US"/>
@@ -658,7 +663,7 @@
           <a:p>
             <a:fld id="{180209D3-E5C2-4012-9501-CA4736FF4C14}" type="datetimeFigureOut">
               <a:rPr lang="vi-VN" smtClean="0"/>
-              <a:t>17/12/2021</a:t>
+              <a:t>09/12/2023</a:t>
             </a:fld>
             <a:endParaRPr lang="vi-VN"/>
           </a:p>
@@ -752,7 +757,7 @@
           <a:lstStyle/>
           <a:p>
             <a:r>
-              <a:rPr lang="en-US" altLang="zh-TW" smtClean="0"/>
+              <a:rPr lang="en-US" altLang="zh-TW"/>
               <a:t>Click to edit Master title style</a:t>
             </a:r>
             <a:endParaRPr lang="zh-TW" altLang="en-US"/>
@@ -776,35 +781,35 @@
           <a:p>
             <a:pPr lvl="0"/>
             <a:r>
-              <a:rPr lang="en-US" altLang="zh-TW" smtClean="0"/>
+              <a:rPr lang="en-US" altLang="zh-TW"/>
               <a:t>Edit Master text styles</a:t>
             </a:r>
           </a:p>
           <a:p>
             <a:pPr lvl="1"/>
             <a:r>
-              <a:rPr lang="en-US" altLang="zh-TW" smtClean="0"/>
+              <a:rPr lang="en-US" altLang="zh-TW"/>
               <a:t>Second level</a:t>
             </a:r>
           </a:p>
           <a:p>
             <a:pPr lvl="2"/>
             <a:r>
-              <a:rPr lang="en-US" altLang="zh-TW" smtClean="0"/>
+              <a:rPr lang="en-US" altLang="zh-TW"/>
               <a:t>Third level</a:t>
             </a:r>
           </a:p>
           <a:p>
             <a:pPr lvl="3"/>
             <a:r>
-              <a:rPr lang="en-US" altLang="zh-TW" smtClean="0"/>
+              <a:rPr lang="en-US" altLang="zh-TW"/>
               <a:t>Fourth level</a:t>
             </a:r>
           </a:p>
           <a:p>
             <a:pPr lvl="4"/>
             <a:r>
-              <a:rPr lang="en-US" altLang="zh-TW" smtClean="0"/>
+              <a:rPr lang="en-US" altLang="zh-TW"/>
               <a:t>Fifth level</a:t>
             </a:r>
             <a:endParaRPr lang="zh-TW" altLang="en-US"/>
@@ -828,7 +833,7 @@
           <a:p>
             <a:fld id="{180209D3-E5C2-4012-9501-CA4736FF4C14}" type="datetimeFigureOut">
               <a:rPr lang="vi-VN" smtClean="0"/>
-              <a:t>17/12/2021</a:t>
+              <a:t>09/12/2023</a:t>
             </a:fld>
             <a:endParaRPr lang="vi-VN"/>
           </a:p>
@@ -931,7 +936,7 @@
           </a:lstStyle>
           <a:p>
             <a:r>
-              <a:rPr lang="en-US" altLang="zh-TW" smtClean="0"/>
+              <a:rPr lang="en-US" altLang="zh-TW"/>
               <a:t>Click to edit Master title style</a:t>
             </a:r>
             <a:endParaRPr lang="zh-TW" altLang="en-US"/>
@@ -1051,7 +1056,7 @@
           <a:p>
             <a:pPr lvl="0"/>
             <a:r>
-              <a:rPr lang="en-US" altLang="zh-TW" smtClean="0"/>
+              <a:rPr lang="en-US" altLang="zh-TW"/>
               <a:t>Edit Master text styles</a:t>
             </a:r>
           </a:p>
@@ -1074,7 +1079,7 @@
           <a:p>
             <a:fld id="{180209D3-E5C2-4012-9501-CA4736FF4C14}" type="datetimeFigureOut">
               <a:rPr lang="vi-VN" smtClean="0"/>
-              <a:t>17/12/2021</a:t>
+              <a:t>09/12/2023</a:t>
             </a:fld>
             <a:endParaRPr lang="vi-VN"/>
           </a:p>
@@ -1168,7 +1173,7 @@
           <a:lstStyle/>
           <a:p>
             <a:r>
-              <a:rPr lang="en-US" altLang="zh-TW" smtClean="0"/>
+              <a:rPr lang="en-US" altLang="zh-TW"/>
               <a:t>Click to edit Master title style</a:t>
             </a:r>
             <a:endParaRPr lang="zh-TW" altLang="en-US"/>
@@ -1225,35 +1230,35 @@
           <a:p>
             <a:pPr lvl="0"/>
             <a:r>
-              <a:rPr lang="en-US" altLang="zh-TW" smtClean="0"/>
+              <a:rPr lang="en-US" altLang="zh-TW"/>
               <a:t>Edit Master text styles</a:t>
             </a:r>
           </a:p>
           <a:p>
             <a:pPr lvl="1"/>
             <a:r>
-              <a:rPr lang="en-US" altLang="zh-TW" smtClean="0"/>
+              <a:rPr lang="en-US" altLang="zh-TW"/>
               <a:t>Second level</a:t>
             </a:r>
           </a:p>
           <a:p>
             <a:pPr lvl="2"/>
             <a:r>
-              <a:rPr lang="en-US" altLang="zh-TW" smtClean="0"/>
+              <a:rPr lang="en-US" altLang="zh-TW"/>
               <a:t>Third level</a:t>
             </a:r>
           </a:p>
           <a:p>
             <a:pPr lvl="3"/>
             <a:r>
-              <a:rPr lang="en-US" altLang="zh-TW" smtClean="0"/>
+              <a:rPr lang="en-US" altLang="zh-TW"/>
               <a:t>Fourth level</a:t>
             </a:r>
           </a:p>
           <a:p>
             <a:pPr lvl="4"/>
             <a:r>
-              <a:rPr lang="en-US" altLang="zh-TW" smtClean="0"/>
+              <a:rPr lang="en-US" altLang="zh-TW"/>
               <a:t>Fifth level</a:t>
             </a:r>
             <a:endParaRPr lang="zh-TW" altLang="en-US"/>
@@ -1310,35 +1315,35 @@
           <a:p>
             <a:pPr lvl="0"/>
             <a:r>
-              <a:rPr lang="en-US" altLang="zh-TW" smtClean="0"/>
+              <a:rPr lang="en-US" altLang="zh-TW"/>
               <a:t>Edit Master text styles</a:t>
             </a:r>
           </a:p>
           <a:p>
             <a:pPr lvl="1"/>
             <a:r>
-              <a:rPr lang="en-US" altLang="zh-TW" smtClean="0"/>
+              <a:rPr lang="en-US" altLang="zh-TW"/>
               <a:t>Second level</a:t>
             </a:r>
           </a:p>
           <a:p>
             <a:pPr lvl="2"/>
             <a:r>
-              <a:rPr lang="en-US" altLang="zh-TW" smtClean="0"/>
+              <a:rPr lang="en-US" altLang="zh-TW"/>
               <a:t>Third level</a:t>
             </a:r>
           </a:p>
           <a:p>
             <a:pPr lvl="3"/>
             <a:r>
-              <a:rPr lang="en-US" altLang="zh-TW" smtClean="0"/>
+              <a:rPr lang="en-US" altLang="zh-TW"/>
               <a:t>Fourth level</a:t>
             </a:r>
           </a:p>
           <a:p>
             <a:pPr lvl="4"/>
             <a:r>
-              <a:rPr lang="en-US" altLang="zh-TW" smtClean="0"/>
+              <a:rPr lang="en-US" altLang="zh-TW"/>
               <a:t>Fifth level</a:t>
             </a:r>
             <a:endParaRPr lang="zh-TW" altLang="en-US"/>
@@ -1362,7 +1367,7 @@
           <a:p>
             <a:fld id="{180209D3-E5C2-4012-9501-CA4736FF4C14}" type="datetimeFigureOut">
               <a:rPr lang="vi-VN" smtClean="0"/>
-              <a:t>17/12/2021</a:t>
+              <a:t>09/12/2023</a:t>
             </a:fld>
             <a:endParaRPr lang="vi-VN"/>
           </a:p>
@@ -1460,7 +1465,7 @@
           </a:lstStyle>
           <a:p>
             <a:r>
-              <a:rPr lang="en-US" altLang="zh-TW" smtClean="0"/>
+              <a:rPr lang="en-US" altLang="zh-TW"/>
               <a:t>Click to edit Master title style</a:t>
             </a:r>
             <a:endParaRPr lang="zh-TW" altLang="en-US"/>
@@ -1526,7 +1531,7 @@
           <a:p>
             <a:pPr lvl="0"/>
             <a:r>
-              <a:rPr lang="en-US" altLang="zh-TW" smtClean="0"/>
+              <a:rPr lang="en-US" altLang="zh-TW"/>
               <a:t>Edit Master text styles</a:t>
             </a:r>
           </a:p>
@@ -1582,35 +1587,35 @@
           <a:p>
             <a:pPr lvl="0"/>
             <a:r>
-              <a:rPr lang="en-US" altLang="zh-TW" smtClean="0"/>
+              <a:rPr lang="en-US" altLang="zh-TW"/>
               <a:t>Edit Master text styles</a:t>
             </a:r>
           </a:p>
           <a:p>
             <a:pPr lvl="1"/>
             <a:r>
-              <a:rPr lang="en-US" altLang="zh-TW" smtClean="0"/>
+              <a:rPr lang="en-US" altLang="zh-TW"/>
               <a:t>Second level</a:t>
             </a:r>
           </a:p>
           <a:p>
             <a:pPr lvl="2"/>
             <a:r>
-              <a:rPr lang="en-US" altLang="zh-TW" smtClean="0"/>
+              <a:rPr lang="en-US" altLang="zh-TW"/>
               <a:t>Third level</a:t>
             </a:r>
           </a:p>
           <a:p>
             <a:pPr lvl="3"/>
             <a:r>
-              <a:rPr lang="en-US" altLang="zh-TW" smtClean="0"/>
+              <a:rPr lang="en-US" altLang="zh-TW"/>
               <a:t>Fourth level</a:t>
             </a:r>
           </a:p>
           <a:p>
             <a:pPr lvl="4"/>
             <a:r>
-              <a:rPr lang="en-US" altLang="zh-TW" smtClean="0"/>
+              <a:rPr lang="en-US" altLang="zh-TW"/>
               <a:t>Fifth level</a:t>
             </a:r>
             <a:endParaRPr lang="zh-TW" altLang="en-US"/>
@@ -1676,7 +1681,7 @@
           <a:p>
             <a:pPr lvl="0"/>
             <a:r>
-              <a:rPr lang="en-US" altLang="zh-TW" smtClean="0"/>
+              <a:rPr lang="en-US" altLang="zh-TW"/>
               <a:t>Edit Master text styles</a:t>
             </a:r>
           </a:p>
@@ -1732,35 +1737,35 @@
           <a:p>
             <a:pPr lvl="0"/>
             <a:r>
-              <a:rPr lang="en-US" altLang="zh-TW" smtClean="0"/>
+              <a:rPr lang="en-US" altLang="zh-TW"/>
               <a:t>Edit Master text styles</a:t>
             </a:r>
           </a:p>
           <a:p>
             <a:pPr lvl="1"/>
             <a:r>
-              <a:rPr lang="en-US" altLang="zh-TW" smtClean="0"/>
+              <a:rPr lang="en-US" altLang="zh-TW"/>
               <a:t>Second level</a:t>
             </a:r>
           </a:p>
           <a:p>
             <a:pPr lvl="2"/>
             <a:r>
-              <a:rPr lang="en-US" altLang="zh-TW" smtClean="0"/>
+              <a:rPr lang="en-US" altLang="zh-TW"/>
               <a:t>Third level</a:t>
             </a:r>
           </a:p>
           <a:p>
             <a:pPr lvl="3"/>
             <a:r>
-              <a:rPr lang="en-US" altLang="zh-TW" smtClean="0"/>
+              <a:rPr lang="en-US" altLang="zh-TW"/>
               <a:t>Fourth level</a:t>
             </a:r>
           </a:p>
           <a:p>
             <a:pPr lvl="4"/>
             <a:r>
-              <a:rPr lang="en-US" altLang="zh-TW" smtClean="0"/>
+              <a:rPr lang="en-US" altLang="zh-TW"/>
               <a:t>Fifth level</a:t>
             </a:r>
             <a:endParaRPr lang="zh-TW" altLang="en-US"/>
@@ -1784,7 +1789,7 @@
           <a:p>
             <a:fld id="{180209D3-E5C2-4012-9501-CA4736FF4C14}" type="datetimeFigureOut">
               <a:rPr lang="vi-VN" smtClean="0"/>
-              <a:t>17/12/2021</a:t>
+              <a:t>09/12/2023</a:t>
             </a:fld>
             <a:endParaRPr lang="vi-VN"/>
           </a:p>
@@ -1878,7 +1883,7 @@
           <a:lstStyle/>
           <a:p>
             <a:r>
-              <a:rPr lang="en-US" altLang="zh-TW" smtClean="0"/>
+              <a:rPr lang="en-US" altLang="zh-TW"/>
               <a:t>Click to edit Master title style</a:t>
             </a:r>
             <a:endParaRPr lang="zh-TW" altLang="en-US"/>
@@ -1902,7 +1907,7 @@
           <a:p>
             <a:fld id="{180209D3-E5C2-4012-9501-CA4736FF4C14}" type="datetimeFigureOut">
               <a:rPr lang="vi-VN" smtClean="0"/>
-              <a:t>17/12/2021</a:t>
+              <a:t>09/12/2023</a:t>
             </a:fld>
             <a:endParaRPr lang="vi-VN"/>
           </a:p>
@@ -1997,7 +2002,7 @@
           <a:p>
             <a:fld id="{180209D3-E5C2-4012-9501-CA4736FF4C14}" type="datetimeFigureOut">
               <a:rPr lang="vi-VN" smtClean="0"/>
-              <a:t>17/12/2021</a:t>
+              <a:t>09/12/2023</a:t>
             </a:fld>
             <a:endParaRPr lang="vi-VN"/>
           </a:p>
@@ -2100,7 +2105,7 @@
           </a:lstStyle>
           <a:p>
             <a:r>
-              <a:rPr lang="en-US" altLang="zh-TW" smtClean="0"/>
+              <a:rPr lang="en-US" altLang="zh-TW"/>
               <a:t>Click to edit Master title style</a:t>
             </a:r>
             <a:endParaRPr lang="zh-TW" altLang="en-US"/>
@@ -2157,35 +2162,35 @@
           <a:p>
             <a:pPr lvl="0"/>
             <a:r>
-              <a:rPr lang="en-US" altLang="zh-TW" smtClean="0"/>
+              <a:rPr lang="en-US" altLang="zh-TW"/>
               <a:t>Edit Master text styles</a:t>
             </a:r>
           </a:p>
           <a:p>
             <a:pPr lvl="1"/>
             <a:r>
-              <a:rPr lang="en-US" altLang="zh-TW" smtClean="0"/>
+              <a:rPr lang="en-US" altLang="zh-TW"/>
               <a:t>Second level</a:t>
             </a:r>
           </a:p>
           <a:p>
             <a:pPr lvl="2"/>
             <a:r>
-              <a:rPr lang="en-US" altLang="zh-TW" smtClean="0"/>
+              <a:rPr lang="en-US" altLang="zh-TW"/>
               <a:t>Third level</a:t>
             </a:r>
           </a:p>
           <a:p>
             <a:pPr lvl="3"/>
             <a:r>
-              <a:rPr lang="en-US" altLang="zh-TW" smtClean="0"/>
+              <a:rPr lang="en-US" altLang="zh-TW"/>
               <a:t>Fourth level</a:t>
             </a:r>
           </a:p>
           <a:p>
             <a:pPr lvl="4"/>
             <a:r>
-              <a:rPr lang="en-US" altLang="zh-TW" smtClean="0"/>
+              <a:rPr lang="en-US" altLang="zh-TW"/>
               <a:t>Fifth level</a:t>
             </a:r>
             <a:endParaRPr lang="zh-TW" altLang="en-US"/>
@@ -2251,7 +2256,7 @@
           <a:p>
             <a:pPr lvl="0"/>
             <a:r>
-              <a:rPr lang="en-US" altLang="zh-TW" smtClean="0"/>
+              <a:rPr lang="en-US" altLang="zh-TW"/>
               <a:t>Edit Master text styles</a:t>
             </a:r>
           </a:p>
@@ -2274,7 +2279,7 @@
           <a:p>
             <a:fld id="{180209D3-E5C2-4012-9501-CA4736FF4C14}" type="datetimeFigureOut">
               <a:rPr lang="vi-VN" smtClean="0"/>
-              <a:t>17/12/2021</a:t>
+              <a:t>09/12/2023</a:t>
             </a:fld>
             <a:endParaRPr lang="vi-VN"/>
           </a:p>
@@ -2377,7 +2382,7 @@
           </a:lstStyle>
           <a:p>
             <a:r>
-              <a:rPr lang="en-US" altLang="zh-TW" smtClean="0"/>
+              <a:rPr lang="en-US" altLang="zh-TW"/>
               <a:t>Click to edit Master title style</a:t>
             </a:r>
             <a:endParaRPr lang="zh-TW" altLang="en-US"/>
@@ -2442,7 +2447,7 @@
           </a:lstStyle>
           <a:p>
             <a:r>
-              <a:rPr lang="en-US" altLang="zh-TW" smtClean="0"/>
+              <a:rPr lang="en-US" altLang="zh-TW"/>
               <a:t>Click icon to add picture</a:t>
             </a:r>
             <a:endParaRPr lang="zh-TW" altLang="en-US"/>
@@ -2508,7 +2513,7 @@
           <a:p>
             <a:pPr lvl="0"/>
             <a:r>
-              <a:rPr lang="en-US" altLang="zh-TW" smtClean="0"/>
+              <a:rPr lang="en-US" altLang="zh-TW"/>
               <a:t>Edit Master text styles</a:t>
             </a:r>
           </a:p>
@@ -2531,7 +2536,7 @@
           <a:p>
             <a:fld id="{180209D3-E5C2-4012-9501-CA4736FF4C14}" type="datetimeFigureOut">
               <a:rPr lang="vi-VN" smtClean="0"/>
-              <a:t>17/12/2021</a:t>
+              <a:t>09/12/2023</a:t>
             </a:fld>
             <a:endParaRPr lang="vi-VN"/>
           </a:p>
@@ -2645,10 +2650,9 @@
           <a:lstStyle/>
           <a:p>
             <a:r>
-              <a:rPr lang="zh-TW" altLang="en-US" smtClean="0"/>
+              <a:rPr lang="zh-TW" altLang="en-US"/>
               <a:t>按一下以編輯母片標題樣式</a:t>
             </a:r>
-            <a:endParaRPr lang="zh-TW" altLang="en-US"/>
           </a:p>
         </p:txBody>
       </p:sp>
@@ -2679,38 +2683,37 @@
           <a:p>
             <a:pPr lvl="0"/>
             <a:r>
-              <a:rPr lang="zh-TW" altLang="en-US" smtClean="0"/>
+              <a:rPr lang="zh-TW" altLang="en-US"/>
               <a:t>按一下以編輯母片文字樣式</a:t>
             </a:r>
           </a:p>
           <a:p>
             <a:pPr lvl="1"/>
             <a:r>
-              <a:rPr lang="zh-TW" altLang="en-US" smtClean="0"/>
+              <a:rPr lang="zh-TW" altLang="en-US"/>
               <a:t>第二層</a:t>
             </a:r>
           </a:p>
           <a:p>
             <a:pPr lvl="2"/>
             <a:r>
-              <a:rPr lang="zh-TW" altLang="en-US" smtClean="0"/>
+              <a:rPr lang="zh-TW" altLang="en-US"/>
               <a:t>第三層</a:t>
             </a:r>
           </a:p>
           <a:p>
             <a:pPr lvl="3"/>
             <a:r>
-              <a:rPr lang="zh-TW" altLang="en-US" smtClean="0"/>
+              <a:rPr lang="zh-TW" altLang="en-US"/>
               <a:t>第四層</a:t>
             </a:r>
           </a:p>
           <a:p>
             <a:pPr lvl="4"/>
             <a:r>
-              <a:rPr lang="zh-TW" altLang="en-US" smtClean="0"/>
+              <a:rPr lang="zh-TW" altLang="en-US"/>
               <a:t>第五層</a:t>
             </a:r>
-            <a:endParaRPr lang="zh-TW" altLang="en-US"/>
           </a:p>
         </p:txBody>
       </p:sp>
@@ -2749,7 +2752,7 @@
           <a:p>
             <a:fld id="{180209D3-E5C2-4012-9501-CA4736FF4C14}" type="datetimeFigureOut">
               <a:rPr lang="vi-VN" smtClean="0"/>
-              <a:t>17/12/2021</a:t>
+              <a:t>09/12/2023</a:t>
             </a:fld>
             <a:endParaRPr lang="vi-VN"/>
           </a:p>
@@ -3147,7 +3150,7 @@
           <a:lstStyle/>
           <a:p>
             <a:r>
-              <a:rPr lang="zh-CN" altLang="en-US" sz="7200" b="1" i="1" dirty="0" smtClean="0">
+              <a:rPr lang="zh-CN" altLang="en-US" sz="7200" b="1" i="1" dirty="0">
                 <a:solidFill>
                   <a:srgbClr val="660033"/>
                 </a:solidFill>
@@ -3161,10 +3164,10 @@
                 <a:latin typeface="微軟正黑體" pitchFamily="34" charset="-120"/>
                 <a:ea typeface="微軟正黑體" pitchFamily="34" charset="-120"/>
               </a:rPr>
-              <a:t>樂</a:t>
-            </a:r>
-            <a:r>
-              <a:rPr lang="zh-CN" altLang="en-US" sz="7200" b="1" i="1" dirty="0">
+              <a:t>宣 </a:t>
+            </a:r>
+            <a:r>
+              <a:rPr lang="en-US" altLang="zh-CN" sz="7200" b="1" i="1" dirty="0">
                 <a:solidFill>
                   <a:srgbClr val="660033"/>
                 </a:solidFill>
@@ -3178,7 +3181,24 @@
                 <a:latin typeface="微軟正黑體" pitchFamily="34" charset="-120"/>
                 <a:ea typeface="微軟正黑體" pitchFamily="34" charset="-120"/>
               </a:rPr>
-              <a:t>哉主臨</a:t>
+              <a:t>277 - </a:t>
+            </a:r>
+            <a:r>
+              <a:rPr lang="zh-CN" altLang="en-US" sz="7200" b="1" i="1" dirty="0">
+                <a:solidFill>
+                  <a:srgbClr val="660033"/>
+                </a:solidFill>
+                <a:effectLst>
+                  <a:outerShdw blurRad="38100" dist="38100" dir="2700000" algn="tl">
+                    <a:srgbClr val="000000">
+                      <a:alpha val="43137"/>
+                    </a:srgbClr>
+                  </a:outerShdw>
+                </a:effectLst>
+                <a:latin typeface="微軟正黑體" pitchFamily="34" charset="-120"/>
+                <a:ea typeface="微軟正黑體" pitchFamily="34" charset="-120"/>
+              </a:rPr>
+              <a:t>樂哉主臨</a:t>
             </a:r>
             <a:endParaRPr lang="zh-TW" altLang="en-US" sz="7200" b="1" i="1" dirty="0">
               <a:solidFill>
@@ -3236,7 +3256,7 @@
           </a:lstStyle>
           <a:p>
             <a:r>
-              <a:rPr lang="en-US" sz="5400" b="1" i="1" dirty="0" err="1" smtClean="0">
+              <a:rPr lang="en-US" sz="5400" b="1" i="1">
                 <a:solidFill>
                   <a:srgbClr val="000066"/>
                 </a:solidFill>
@@ -3251,10 +3271,10 @@
                 <a:ea typeface="微軟正黑體" pitchFamily="34" charset="-120"/>
                 <a:cs typeface="Calibri" panose="020F0502020204030204" pitchFamily="34" charset="0"/>
               </a:rPr>
-              <a:t>Phước</a:t>
-            </a:r>
-            <a:r>
-              <a:rPr lang="en-US" sz="5400" b="1" i="1" dirty="0" smtClean="0">
+              <a:t>TC 54 - Phước</a:t>
+            </a:r>
+            <a:r>
+              <a:rPr lang="en-US" sz="5400" b="1" i="1" dirty="0">
                 <a:solidFill>
                   <a:srgbClr val="000066"/>
                 </a:solidFill>
@@ -3772,20 +3792,12 @@
           <a:p>
             <a:pPr algn="ctr"/>
             <a:r>
-              <a:rPr lang="en-US" sz="4800" b="1" dirty="0" smtClean="0">
+              <a:rPr lang="en-US" sz="4800" b="1" dirty="0">
                 <a:solidFill>
                   <a:srgbClr val="660033"/>
                 </a:solidFill>
               </a:rPr>
-              <a:t>( </a:t>
-            </a:r>
-            <a:r>
-              <a:rPr lang="en-US" sz="4800" b="1" dirty="0" smtClean="0">
-                <a:solidFill>
-                  <a:srgbClr val="660033"/>
-                </a:solidFill>
-              </a:rPr>
-              <a:t>2 ) ( x2 )</a:t>
+              <a:t>( 2 ) ( x2 )</a:t>
             </a:r>
             <a:endParaRPr lang="vi-VN" sz="4800" b="1" dirty="0">
               <a:solidFill>
@@ -3858,27 +3870,7 @@
                 <a:latin typeface="微軟正黑體" pitchFamily="34" charset="-120"/>
                 <a:ea typeface="微軟正黑體" pitchFamily="34" charset="-120"/>
               </a:rPr>
-              <a:t>喜</a:t>
-            </a:r>
-            <a:r>
-              <a:rPr lang="zh-TW" altLang="en-US" sz="6400" b="1" dirty="0">
-                <a:solidFill>
-                  <a:srgbClr val="660033"/>
-                </a:solidFill>
-                <a:latin typeface="微軟正黑體" pitchFamily="34" charset="-120"/>
-                <a:ea typeface="微軟正黑體" pitchFamily="34" charset="-120"/>
-              </a:rPr>
-              <a:t>音  喜</a:t>
-            </a:r>
-            <a:r>
-              <a:rPr lang="zh-TW" altLang="en-US" sz="6400" b="1" dirty="0">
-                <a:solidFill>
-                  <a:srgbClr val="660033"/>
-                </a:solidFill>
-                <a:latin typeface="微軟正黑體" pitchFamily="34" charset="-120"/>
-                <a:ea typeface="微軟正黑體" pitchFamily="34" charset="-120"/>
-              </a:rPr>
-              <a:t>音環繞不停</a:t>
+              <a:t>喜音  喜音環繞不停</a:t>
             </a:r>
             <a:endParaRPr lang="en-US" altLang="zh-CN" sz="6400" b="1" dirty="0">
               <a:solidFill>
@@ -4230,20 +4222,12 @@
           <a:p>
             <a:pPr algn="ctr"/>
             <a:r>
-              <a:rPr lang="en-US" sz="4800" b="1" dirty="0" smtClean="0">
+              <a:rPr lang="en-US" sz="4800" b="1" dirty="0">
                 <a:solidFill>
                   <a:srgbClr val="660033"/>
                 </a:solidFill>
               </a:rPr>
-              <a:t>( </a:t>
-            </a:r>
-            <a:r>
-              <a:rPr lang="en-US" sz="4800" b="1" dirty="0" smtClean="0">
-                <a:solidFill>
-                  <a:srgbClr val="660033"/>
-                </a:solidFill>
-              </a:rPr>
-              <a:t>2 )</a:t>
+              <a:t>( 2 )</a:t>
             </a:r>
             <a:endParaRPr lang="vi-VN" sz="4800" b="1" dirty="0">
               <a:solidFill>
@@ -4690,20 +4674,12 @@
           <a:p>
             <a:pPr algn="ctr"/>
             <a:r>
-              <a:rPr lang="en-US" sz="4800" b="1" dirty="0" smtClean="0">
+              <a:rPr lang="en-US" sz="4800" b="1" dirty="0">
                 <a:solidFill>
                   <a:srgbClr val="660033"/>
                 </a:solidFill>
               </a:rPr>
-              <a:t>( </a:t>
-            </a:r>
-            <a:r>
-              <a:rPr lang="en-US" sz="4800" b="1" dirty="0" smtClean="0">
-                <a:solidFill>
-                  <a:srgbClr val="660033"/>
-                </a:solidFill>
-              </a:rPr>
-              <a:t>3 )</a:t>
+              <a:t>( 3 )</a:t>
             </a:r>
             <a:endParaRPr lang="vi-VN" sz="4800" b="1" dirty="0">
               <a:solidFill>
@@ -5106,20 +5082,12 @@
           <a:p>
             <a:pPr algn="ctr"/>
             <a:r>
-              <a:rPr lang="en-US" sz="4800" b="1" dirty="0" smtClean="0">
+              <a:rPr lang="en-US" sz="4800" b="1" dirty="0">
                 <a:solidFill>
                   <a:srgbClr val="660033"/>
                 </a:solidFill>
               </a:rPr>
-              <a:t>( </a:t>
-            </a:r>
-            <a:r>
-              <a:rPr lang="en-US" sz="4800" b="1" dirty="0" smtClean="0">
-                <a:solidFill>
-                  <a:srgbClr val="660033"/>
-                </a:solidFill>
-              </a:rPr>
-              <a:t>3 )</a:t>
+              <a:t>( 3 )</a:t>
             </a:r>
             <a:endParaRPr lang="vi-VN" sz="4800" b="1" dirty="0">
               <a:solidFill>
@@ -5192,27 +5160,7 @@
                 <a:latin typeface="微軟正黑體" pitchFamily="34" charset="-120"/>
                 <a:ea typeface="微軟正黑體" pitchFamily="34" charset="-120"/>
               </a:rPr>
-              <a:t>我主來</a:t>
-            </a:r>
-            <a:r>
-              <a:rPr lang="zh-TW" altLang="en-US" sz="6400" b="1" dirty="0">
-                <a:solidFill>
-                  <a:srgbClr val="660033"/>
-                </a:solidFill>
-                <a:latin typeface="微軟正黑體" pitchFamily="34" charset="-120"/>
-                <a:ea typeface="微軟正黑體" pitchFamily="34" charset="-120"/>
-              </a:rPr>
-              <a:t>臨  使</a:t>
-            </a:r>
-            <a:r>
-              <a:rPr lang="zh-TW" altLang="en-US" sz="6400" b="1" dirty="0">
-                <a:solidFill>
-                  <a:srgbClr val="660033"/>
-                </a:solidFill>
-                <a:latin typeface="微軟正黑體" pitchFamily="34" charset="-120"/>
-                <a:ea typeface="微軟正黑體" pitchFamily="34" charset="-120"/>
-              </a:rPr>
-              <a:t>福充溢</a:t>
+              <a:t>我主來臨  使福充溢</a:t>
             </a:r>
             <a:endParaRPr lang="en-US" altLang="zh-CN" sz="6400" b="1" dirty="0">
               <a:solidFill>
@@ -5586,20 +5534,12 @@
           <a:p>
             <a:pPr algn="ctr"/>
             <a:r>
-              <a:rPr lang="en-US" sz="4800" b="1" dirty="0" smtClean="0">
+              <a:rPr lang="en-US" sz="4800" b="1" dirty="0">
                 <a:solidFill>
                   <a:srgbClr val="660033"/>
                 </a:solidFill>
               </a:rPr>
-              <a:t>( </a:t>
-            </a:r>
-            <a:r>
-              <a:rPr lang="en-US" sz="4800" b="1" dirty="0" smtClean="0">
-                <a:solidFill>
-                  <a:srgbClr val="660033"/>
-                </a:solidFill>
-              </a:rPr>
-              <a:t>3 )</a:t>
+              <a:t>( 3 )</a:t>
             </a:r>
             <a:endParaRPr lang="vi-VN" sz="4800" b="1" dirty="0">
               <a:solidFill>
@@ -6002,7 +5942,7 @@
           <a:p>
             <a:pPr algn="ctr"/>
             <a:r>
-              <a:rPr lang="en-US" sz="4800" b="1" dirty="0" smtClean="0">
+              <a:rPr lang="en-US" sz="4800" b="1" dirty="0">
                 <a:solidFill>
                   <a:srgbClr val="660033"/>
                 </a:solidFill>
@@ -6080,27 +6020,7 @@
                 <a:latin typeface="微軟正黑體" pitchFamily="34" charset="-120"/>
                 <a:ea typeface="微軟正黑體" pitchFamily="34" charset="-120"/>
               </a:rPr>
-              <a:t>超</a:t>
-            </a:r>
-            <a:r>
-              <a:rPr lang="zh-TW" altLang="en-US" sz="6400" b="1" dirty="0">
-                <a:solidFill>
-                  <a:srgbClr val="660033"/>
-                </a:solidFill>
-                <a:latin typeface="微軟正黑體" pitchFamily="34" charset="-120"/>
-                <a:ea typeface="微軟正黑體" pitchFamily="34" charset="-120"/>
-              </a:rPr>
-              <a:t>前  超</a:t>
-            </a:r>
-            <a:r>
-              <a:rPr lang="zh-TW" altLang="en-US" sz="6400" b="1" dirty="0">
-                <a:solidFill>
-                  <a:srgbClr val="660033"/>
-                </a:solidFill>
-                <a:latin typeface="微軟正黑體" pitchFamily="34" charset="-120"/>
-                <a:ea typeface="微軟正黑體" pitchFamily="34" charset="-120"/>
-              </a:rPr>
-              <a:t>前恩深無比</a:t>
+              <a:t>超前  超前恩深無比</a:t>
             </a:r>
             <a:endParaRPr lang="en-US" altLang="zh-CN" sz="6400" b="1" dirty="0">
               <a:solidFill>
@@ -6474,20 +6394,12 @@
           <a:p>
             <a:pPr algn="ctr"/>
             <a:r>
-              <a:rPr lang="en-US" sz="4800" b="1" dirty="0" smtClean="0">
+              <a:rPr lang="en-US" sz="4800" b="1" dirty="0">
                 <a:solidFill>
                   <a:srgbClr val="660033"/>
                 </a:solidFill>
               </a:rPr>
-              <a:t>( </a:t>
-            </a:r>
-            <a:r>
-              <a:rPr lang="en-US" sz="4800" b="1" dirty="0" smtClean="0">
-                <a:solidFill>
-                  <a:srgbClr val="660033"/>
-                </a:solidFill>
-              </a:rPr>
-              <a:t>3 )</a:t>
+              <a:t>( 3 )</a:t>
             </a:r>
             <a:endParaRPr lang="vi-VN" sz="4800" b="1" dirty="0">
               <a:solidFill>
@@ -6560,27 +6472,7 @@
                 <a:latin typeface="微軟正黑體" pitchFamily="34" charset="-120"/>
                 <a:ea typeface="微軟正黑體" pitchFamily="34" charset="-120"/>
               </a:rPr>
-              <a:t>救主治世以</a:t>
-            </a:r>
-            <a:r>
-              <a:rPr lang="zh-CN" altLang="en-US" sz="6400" b="1" dirty="0">
-                <a:solidFill>
-                  <a:srgbClr val="660033"/>
-                </a:solidFill>
-                <a:latin typeface="微軟正黑體" pitchFamily="34" charset="-120"/>
-                <a:ea typeface="微軟正黑體" pitchFamily="34" charset="-120"/>
-              </a:rPr>
-              <a:t>真  以</a:t>
-            </a:r>
-            <a:r>
-              <a:rPr lang="zh-CN" altLang="en-US" sz="6400" b="1" dirty="0">
-                <a:solidFill>
-                  <a:srgbClr val="660033"/>
-                </a:solidFill>
-                <a:latin typeface="微軟正黑體" pitchFamily="34" charset="-120"/>
-                <a:ea typeface="微軟正黑體" pitchFamily="34" charset="-120"/>
-              </a:rPr>
-              <a:t>惠</a:t>
+              <a:t>救主治世以真  以惠</a:t>
             </a:r>
             <a:endParaRPr lang="en-US" altLang="zh-CN" sz="6400" b="1" dirty="0">
               <a:solidFill>
@@ -6954,20 +6846,12 @@
           <a:p>
             <a:pPr algn="ctr"/>
             <a:r>
-              <a:rPr lang="en-US" sz="4800" b="1" dirty="0" smtClean="0">
+              <a:rPr lang="en-US" sz="4800" b="1" dirty="0">
                 <a:solidFill>
                   <a:srgbClr val="660033"/>
                 </a:solidFill>
               </a:rPr>
-              <a:t>( </a:t>
-            </a:r>
-            <a:r>
-              <a:rPr lang="en-US" sz="4800" b="1" dirty="0" smtClean="0">
-                <a:solidFill>
-                  <a:srgbClr val="660033"/>
-                </a:solidFill>
-              </a:rPr>
-              <a:t>4 )</a:t>
+              <a:t>( 4 )</a:t>
             </a:r>
             <a:endParaRPr lang="vi-VN" sz="4800" b="1" dirty="0">
               <a:solidFill>
@@ -7370,20 +7254,12 @@
           <a:p>
             <a:pPr algn="ctr"/>
             <a:r>
-              <a:rPr lang="en-US" sz="4800" b="1" dirty="0" smtClean="0">
+              <a:rPr lang="en-US" sz="4800" b="1" dirty="0">
                 <a:solidFill>
                   <a:srgbClr val="660033"/>
                 </a:solidFill>
               </a:rPr>
-              <a:t>( </a:t>
-            </a:r>
-            <a:r>
-              <a:rPr lang="en-US" sz="4800" b="1" dirty="0" smtClean="0">
-                <a:solidFill>
-                  <a:srgbClr val="660033"/>
-                </a:solidFill>
-              </a:rPr>
-              <a:t>4 )</a:t>
+              <a:t>( 4 )</a:t>
             </a:r>
             <a:endParaRPr lang="vi-VN" sz="4800" b="1" dirty="0">
               <a:solidFill>
@@ -7456,27 +7332,7 @@
                 <a:latin typeface="微軟正黑體" pitchFamily="34" charset="-120"/>
                 <a:ea typeface="微軟正黑體" pitchFamily="34" charset="-120"/>
               </a:rPr>
-              <a:t>主顯公</a:t>
-            </a:r>
-            <a:r>
-              <a:rPr lang="zh-TW" altLang="en-US" sz="6400" b="1" dirty="0">
-                <a:solidFill>
-                  <a:srgbClr val="660033"/>
-                </a:solidFill>
-                <a:latin typeface="微軟正黑體" pitchFamily="34" charset="-120"/>
-                <a:ea typeface="微軟正黑體" pitchFamily="34" charset="-120"/>
-              </a:rPr>
-              <a:t>義  何</a:t>
-            </a:r>
-            <a:r>
-              <a:rPr lang="zh-TW" altLang="en-US" sz="6400" b="1" dirty="0">
-                <a:solidFill>
-                  <a:srgbClr val="660033"/>
-                </a:solidFill>
-                <a:latin typeface="微軟正黑體" pitchFamily="34" charset="-120"/>
-                <a:ea typeface="微軟正黑體" pitchFamily="34" charset="-120"/>
-              </a:rPr>
-              <a:t>等全備</a:t>
+              <a:t>主顯公義  何等全備</a:t>
             </a:r>
             <a:endParaRPr lang="en-US" altLang="zh-CN" sz="6400" b="1" dirty="0">
               <a:solidFill>
@@ -7850,20 +7706,12 @@
           <a:p>
             <a:pPr algn="ctr"/>
             <a:r>
-              <a:rPr lang="en-US" sz="4800" b="1" dirty="0" smtClean="0">
+              <a:rPr lang="en-US" sz="4800" b="1" dirty="0">
                 <a:solidFill>
                   <a:srgbClr val="660033"/>
                 </a:solidFill>
               </a:rPr>
-              <a:t>( </a:t>
-            </a:r>
-            <a:r>
-              <a:rPr lang="en-US" sz="4800" b="1" dirty="0" smtClean="0">
-                <a:solidFill>
-                  <a:srgbClr val="660033"/>
-                </a:solidFill>
-              </a:rPr>
-              <a:t>4 )</a:t>
+              <a:t>( 4 )</a:t>
             </a:r>
             <a:endParaRPr lang="vi-VN" sz="4800" b="1" dirty="0">
               <a:solidFill>
@@ -7929,44 +7777,14 @@
               <a:buNone/>
             </a:pPr>
             <a:r>
-              <a:rPr lang="zh-TW" altLang="en-US" sz="6400" b="1" dirty="0" smtClean="0">
+              <a:rPr lang="zh-TW" altLang="en-US" sz="6400" b="1" dirty="0">
                 <a:solidFill>
                   <a:srgbClr val="660033"/>
                 </a:solidFill>
                 <a:latin typeface="微軟正黑體" pitchFamily="34" charset="-120"/>
                 <a:ea typeface="微軟正黑體" pitchFamily="34" charset="-120"/>
               </a:rPr>
-              <a:t>樂</a:t>
-            </a:r>
-            <a:r>
-              <a:rPr lang="zh-TW" altLang="en-US" sz="6400" b="1" dirty="0">
-                <a:solidFill>
-                  <a:srgbClr val="660033"/>
-                </a:solidFill>
-                <a:latin typeface="微軟正黑體" pitchFamily="34" charset="-120"/>
-                <a:ea typeface="微軟正黑體" pitchFamily="34" charset="-120"/>
-              </a:rPr>
-              <a:t>哉斯</a:t>
-            </a:r>
-            <a:r>
-              <a:rPr lang="zh-TW" altLang="en-US" sz="6400" b="1" dirty="0" smtClean="0">
-                <a:solidFill>
-                  <a:srgbClr val="660033"/>
-                </a:solidFill>
-                <a:latin typeface="微軟正黑體" pitchFamily="34" charset="-120"/>
-                <a:ea typeface="微軟正黑體" pitchFamily="34" charset="-120"/>
-              </a:rPr>
-              <a:t>世  救</a:t>
-            </a:r>
-            <a:r>
-              <a:rPr lang="zh-TW" altLang="en-US" sz="6400" b="1" dirty="0">
-                <a:solidFill>
-                  <a:srgbClr val="660033"/>
-                </a:solidFill>
-                <a:latin typeface="微軟正黑體" pitchFamily="34" charset="-120"/>
-                <a:ea typeface="微軟正黑體" pitchFamily="34" charset="-120"/>
-              </a:rPr>
-              <a:t>主已降</a:t>
+              <a:t>樂哉斯世  救主已降</a:t>
             </a:r>
             <a:endParaRPr lang="en-US" altLang="zh-CN" sz="6400" b="1" dirty="0">
               <a:solidFill>
@@ -8141,7 +7959,7 @@
               <a:buNone/>
             </a:pPr>
             <a:r>
-              <a:rPr lang="en-US" sz="4533" b="1" dirty="0" err="1" smtClean="0">
+              <a:rPr lang="en-US" sz="4533" b="1" dirty="0" err="1">
                 <a:solidFill>
                   <a:srgbClr val="000066"/>
                 </a:solidFill>
@@ -8152,7 +7970,7 @@
               <a:t>Phước</a:t>
             </a:r>
             <a:r>
-              <a:rPr lang="en-US" sz="4533" b="1" dirty="0" smtClean="0">
+              <a:rPr lang="en-US" sz="4533" b="1" dirty="0">
                 <a:solidFill>
                   <a:srgbClr val="000066"/>
                 </a:solidFill>
@@ -8229,7 +8047,7 @@
               <a:t> </a:t>
             </a:r>
             <a:r>
-              <a:rPr lang="en-US" sz="4533" b="1" dirty="0" err="1" smtClean="0">
+              <a:rPr lang="en-US" sz="4533" b="1" dirty="0" err="1">
                 <a:solidFill>
                   <a:srgbClr val="000066"/>
                 </a:solidFill>
@@ -8240,17 +8058,6 @@
               <a:t>Chúa</a:t>
             </a:r>
             <a:r>
-              <a:rPr lang="en-US" sz="4533" b="1" dirty="0" smtClean="0">
-                <a:solidFill>
-                  <a:srgbClr val="000066"/>
-                </a:solidFill>
-                <a:latin typeface="Calibri" panose="020F0502020204030204" pitchFamily="34" charset="0"/>
-                <a:ea typeface="微軟正黑體" pitchFamily="34" charset="-120"/>
-                <a:cs typeface="Calibri" panose="020F0502020204030204" pitchFamily="34" charset="0"/>
-              </a:rPr>
-              <a:t> </a:t>
-            </a:r>
-            <a:r>
               <a:rPr lang="en-US" sz="4533" b="1" dirty="0">
                 <a:solidFill>
                   <a:srgbClr val="000066"/>
@@ -8259,7 +8066,7 @@
                 <a:ea typeface="微軟正黑體" pitchFamily="34" charset="-120"/>
                 <a:cs typeface="Calibri" panose="020F0502020204030204" pitchFamily="34" charset="0"/>
               </a:rPr>
-              <a:t>ta </a:t>
+              <a:t> ta </a:t>
             </a:r>
             <a:r>
               <a:rPr lang="en-US" sz="4533" b="1" dirty="0" err="1">
@@ -8329,7 +8136,7 @@
           <a:p>
             <a:pPr algn="ctr"/>
             <a:r>
-              <a:rPr lang="en-US" sz="4800" b="1" dirty="0" smtClean="0">
+              <a:rPr lang="en-US" sz="4800" b="1" dirty="0">
                 <a:solidFill>
                   <a:srgbClr val="660033"/>
                 </a:solidFill>
@@ -8737,7 +8544,7 @@
           <a:p>
             <a:pPr algn="ctr"/>
             <a:r>
-              <a:rPr lang="en-US" sz="4800" b="1" dirty="0" smtClean="0">
+              <a:rPr lang="en-US" sz="4800" b="1" dirty="0">
                 <a:solidFill>
                   <a:srgbClr val="660033"/>
                 </a:solidFill>
@@ -8815,27 +8622,7 @@
                 <a:latin typeface="微軟正黑體" pitchFamily="34" charset="-120"/>
                 <a:ea typeface="微軟正黑體" pitchFamily="34" charset="-120"/>
               </a:rPr>
-              <a:t>慈</a:t>
-            </a:r>
-            <a:r>
-              <a:rPr lang="zh-TW" altLang="en-US" sz="6400" b="1" dirty="0">
-                <a:solidFill>
-                  <a:srgbClr val="660033"/>
-                </a:solidFill>
-                <a:latin typeface="微軟正黑體" pitchFamily="34" charset="-120"/>
-                <a:ea typeface="微軟正黑體" pitchFamily="34" charset="-120"/>
-              </a:rPr>
-              <a:t>愛  慈</a:t>
-            </a:r>
-            <a:r>
-              <a:rPr lang="zh-TW" altLang="en-US" sz="6400" b="1" dirty="0">
-                <a:solidFill>
-                  <a:srgbClr val="660033"/>
-                </a:solidFill>
-                <a:latin typeface="微軟正黑體" pitchFamily="34" charset="-120"/>
-                <a:ea typeface="微軟正黑體" pitchFamily="34" charset="-120"/>
-              </a:rPr>
-              <a:t>愛何等純粹</a:t>
+              <a:t>慈愛  慈愛何等純粹</a:t>
             </a:r>
             <a:endParaRPr lang="en-US" altLang="zh-CN" sz="6400" b="1" dirty="0">
               <a:solidFill>
@@ -9187,20 +8974,12 @@
           <a:p>
             <a:pPr algn="ctr"/>
             <a:r>
-              <a:rPr lang="en-US" sz="4800" b="1" dirty="0" smtClean="0">
+              <a:rPr lang="en-US" sz="4800" b="1" dirty="0">
                 <a:solidFill>
                   <a:srgbClr val="660033"/>
                 </a:solidFill>
               </a:rPr>
-              <a:t>( </a:t>
-            </a:r>
-            <a:r>
-              <a:rPr lang="en-US" sz="4800" b="1" dirty="0" smtClean="0">
-                <a:solidFill>
-                  <a:srgbClr val="660033"/>
-                </a:solidFill>
-              </a:rPr>
-              <a:t>4 )</a:t>
+              <a:t>( 4 )</a:t>
             </a:r>
             <a:endParaRPr lang="vi-VN" sz="4800" b="1" dirty="0">
               <a:solidFill>
@@ -9603,7 +9382,7 @@
           <a:p>
             <a:pPr algn="ctr"/>
             <a:r>
-              <a:rPr lang="en-US" sz="4800" b="1" dirty="0" smtClean="0">
+              <a:rPr lang="en-US" sz="4800" b="1" dirty="0">
                 <a:solidFill>
                   <a:srgbClr val="660033"/>
                 </a:solidFill>
@@ -10033,7 +9812,7 @@
           <a:p>
             <a:pPr algn="ctr"/>
             <a:r>
-              <a:rPr lang="en-US" sz="4800" b="1" dirty="0" smtClean="0">
+              <a:rPr lang="en-US" sz="4800" b="1" dirty="0">
                 <a:solidFill>
                   <a:srgbClr val="660033"/>
                 </a:solidFill>
@@ -10441,20 +10220,12 @@
           <a:p>
             <a:pPr algn="ctr"/>
             <a:r>
-              <a:rPr lang="en-US" sz="4800" b="1" dirty="0" smtClean="0">
+              <a:rPr lang="en-US" sz="4800" b="1" dirty="0">
                 <a:solidFill>
                   <a:srgbClr val="660033"/>
                 </a:solidFill>
               </a:rPr>
-              <a:t>( 1 </a:t>
-            </a:r>
-            <a:r>
-              <a:rPr lang="en-US" sz="4800" b="1" dirty="0" smtClean="0">
-                <a:solidFill>
-                  <a:srgbClr val="660033"/>
-                </a:solidFill>
-              </a:rPr>
-              <a:t>) ( x2 )</a:t>
+              <a:t>( 1 ) ( x2 )</a:t>
             </a:r>
             <a:endParaRPr lang="vi-VN" sz="4800" b="1" dirty="0">
               <a:solidFill>
@@ -10527,17 +10298,7 @@
                 <a:latin typeface="微軟正黑體" pitchFamily="34" charset="-120"/>
                 <a:ea typeface="微軟正黑體" pitchFamily="34" charset="-120"/>
               </a:rPr>
-              <a:t>宇宙   宇</a:t>
-            </a:r>
-            <a:r>
-              <a:rPr lang="zh-TW" altLang="en-US" sz="6400" b="1" dirty="0">
-                <a:solidFill>
-                  <a:srgbClr val="660033"/>
-                </a:solidFill>
-                <a:latin typeface="微軟正黑體" pitchFamily="34" charset="-120"/>
-                <a:ea typeface="微軟正黑體" pitchFamily="34" charset="-120"/>
-              </a:rPr>
-              <a:t>宙萬物頌揚</a:t>
+              <a:t>宇宙   宇宙萬物頌揚</a:t>
             </a:r>
             <a:endParaRPr lang="en-US" altLang="zh-CN" sz="6400" b="1" dirty="0">
               <a:solidFill>
@@ -10889,20 +10650,12 @@
           <a:p>
             <a:pPr algn="ctr"/>
             <a:r>
-              <a:rPr lang="en-US" sz="4800" b="1" dirty="0" smtClean="0">
+              <a:rPr lang="en-US" sz="4800" b="1" dirty="0">
                 <a:solidFill>
                   <a:srgbClr val="660033"/>
                 </a:solidFill>
               </a:rPr>
-              <a:t>( 1 </a:t>
-            </a:r>
-            <a:r>
-              <a:rPr lang="en-US" sz="4800" b="1" dirty="0" smtClean="0">
-                <a:solidFill>
-                  <a:srgbClr val="660033"/>
-                </a:solidFill>
-              </a:rPr>
-              <a:t>)</a:t>
+              <a:t>( 1 )</a:t>
             </a:r>
             <a:endParaRPr lang="vi-VN" sz="4800" b="1" dirty="0">
               <a:solidFill>
@@ -10975,27 +10728,7 @@
                 <a:latin typeface="微軟正黑體" pitchFamily="34" charset="-120"/>
                 <a:ea typeface="微軟正黑體" pitchFamily="34" charset="-120"/>
               </a:rPr>
-              <a:t>樂哉大</a:t>
-            </a:r>
-            <a:r>
-              <a:rPr lang="zh-TW" altLang="en-US" sz="6400" b="1" dirty="0">
-                <a:solidFill>
-                  <a:srgbClr val="660033"/>
-                </a:solidFill>
-                <a:latin typeface="微軟正黑體" pitchFamily="34" charset="-120"/>
-                <a:ea typeface="微軟正黑體" pitchFamily="34" charset="-120"/>
-              </a:rPr>
-              <a:t>地  救</a:t>
-            </a:r>
-            <a:r>
-              <a:rPr lang="zh-TW" altLang="en-US" sz="6400" b="1" dirty="0">
-                <a:solidFill>
-                  <a:srgbClr val="660033"/>
-                </a:solidFill>
-                <a:latin typeface="微軟正黑體" pitchFamily="34" charset="-120"/>
-                <a:ea typeface="微軟正黑體" pitchFamily="34" charset="-120"/>
-              </a:rPr>
-              <a:t>主統領</a:t>
+              <a:t>樂哉大地  救主統領</a:t>
             </a:r>
             <a:endParaRPr lang="en-US" altLang="zh-CN" sz="6400" b="1" dirty="0">
               <a:solidFill>
@@ -11277,18 +11010,7 @@
                 <a:ea typeface="微軟正黑體" pitchFamily="34" charset="-120"/>
                 <a:cs typeface="Calibri" panose="020F0502020204030204" pitchFamily="34" charset="0"/>
               </a:rPr>
-              <a:t> </a:t>
-            </a:r>
-            <a:r>
-              <a:rPr lang="en-US" sz="4533" b="1" dirty="0">
-                <a:solidFill>
-                  <a:srgbClr val="000066"/>
-                </a:solidFill>
-                <a:latin typeface="Calibri" panose="020F0502020204030204" pitchFamily="34" charset="0"/>
-                <a:ea typeface="微軟正黑體" pitchFamily="34" charset="-120"/>
-                <a:cs typeface="Calibri" panose="020F0502020204030204" pitchFamily="34" charset="0"/>
-              </a:rPr>
-              <a:t>nay </a:t>
+              <a:t> nay </a:t>
             </a:r>
             <a:r>
               <a:rPr lang="en-US" sz="4533" b="1" dirty="0" err="1">
@@ -11358,20 +11080,12 @@
           <a:p>
             <a:pPr algn="ctr"/>
             <a:r>
-              <a:rPr lang="en-US" sz="4800" b="1" dirty="0" smtClean="0">
+              <a:rPr lang="en-US" sz="4800" b="1" dirty="0">
                 <a:solidFill>
                   <a:srgbClr val="660033"/>
                 </a:solidFill>
               </a:rPr>
-              <a:t>( </a:t>
-            </a:r>
-            <a:r>
-              <a:rPr lang="en-US" sz="4800" b="1" dirty="0" smtClean="0">
-                <a:solidFill>
-                  <a:srgbClr val="660033"/>
-                </a:solidFill>
-              </a:rPr>
-              <a:t>2 )</a:t>
+              <a:t>( 2 )</a:t>
             </a:r>
             <a:endParaRPr lang="vi-VN" sz="4800" b="1" dirty="0">
               <a:solidFill>
@@ -11752,20 +11466,12 @@
           <a:p>
             <a:pPr algn="ctr"/>
             <a:r>
-              <a:rPr lang="en-US" sz="4800" b="1" dirty="0" smtClean="0">
+              <a:rPr lang="en-US" sz="4800" b="1" dirty="0">
                 <a:solidFill>
                   <a:srgbClr val="660033"/>
                 </a:solidFill>
               </a:rPr>
-              <a:t>( </a:t>
-            </a:r>
-            <a:r>
-              <a:rPr lang="en-US" sz="4800" b="1" dirty="0" smtClean="0">
-                <a:solidFill>
-                  <a:srgbClr val="660033"/>
-                </a:solidFill>
-              </a:rPr>
-              <a:t>2 )</a:t>
+              <a:t>( 2 )</a:t>
             </a:r>
             <a:endParaRPr lang="vi-VN" sz="4800" b="1" dirty="0">
               <a:solidFill>
@@ -11838,27 +11544,7 @@
                 <a:latin typeface="微軟正黑體" pitchFamily="34" charset="-120"/>
                 <a:ea typeface="微軟正黑體" pitchFamily="34" charset="-120"/>
               </a:rPr>
-              <a:t>田野江</a:t>
-            </a:r>
-            <a:r>
-              <a:rPr lang="zh-TW" altLang="en-US" sz="6400" b="1" dirty="0">
-                <a:solidFill>
-                  <a:srgbClr val="660033"/>
-                </a:solidFill>
-                <a:latin typeface="微軟正黑體" pitchFamily="34" charset="-120"/>
-                <a:ea typeface="微軟正黑體" pitchFamily="34" charset="-120"/>
-              </a:rPr>
-              <a:t>河  平</a:t>
-            </a:r>
-            <a:r>
-              <a:rPr lang="zh-TW" altLang="en-US" sz="6400" b="1" dirty="0">
-                <a:solidFill>
-                  <a:srgbClr val="660033"/>
-                </a:solidFill>
-                <a:latin typeface="微軟正黑體" pitchFamily="34" charset="-120"/>
-                <a:ea typeface="微軟正黑體" pitchFamily="34" charset="-120"/>
-              </a:rPr>
-              <a:t>原山嶺</a:t>
+              <a:t>田野江河  平原山嶺</a:t>
             </a:r>
             <a:endParaRPr lang="en-US" altLang="zh-CN" sz="6400" b="1" dirty="0">
               <a:solidFill>
@@ -12210,20 +11896,12 @@
           <a:p>
             <a:pPr algn="ctr"/>
             <a:r>
-              <a:rPr lang="en-US" sz="4800" b="1" dirty="0" smtClean="0">
+              <a:rPr lang="en-US" sz="4800" b="1" dirty="0">
                 <a:solidFill>
                   <a:srgbClr val="660033"/>
                 </a:solidFill>
               </a:rPr>
-              <a:t>( </a:t>
-            </a:r>
-            <a:r>
-              <a:rPr lang="en-US" sz="4800" b="1" dirty="0" smtClean="0">
-                <a:solidFill>
-                  <a:srgbClr val="660033"/>
-                </a:solidFill>
-              </a:rPr>
-              <a:t>2 )</a:t>
+              <a:t>( 2 )</a:t>
             </a:r>
             <a:endParaRPr lang="vi-VN" sz="4800" b="1" dirty="0">
               <a:solidFill>

--- a/中越詩歌/Phuoc Cho Nhan Loai_樂哉主臨_v2.pptx
+++ b/中越詩歌/Phuoc Cho Nhan Loai_樂哉主臨_v2.pptx
@@ -313,7 +313,7 @@
           <a:p>
             <a:fld id="{180209D3-E5C2-4012-9501-CA4736FF4C14}" type="datetimeFigureOut">
               <a:rPr lang="vi-VN" smtClean="0"/>
-              <a:t>09/12/2023</a:t>
+              <a:t>16/12/2023</a:t>
             </a:fld>
             <a:endParaRPr lang="vi-VN"/>
           </a:p>
@@ -483,7 +483,7 @@
           <a:p>
             <a:fld id="{180209D3-E5C2-4012-9501-CA4736FF4C14}" type="datetimeFigureOut">
               <a:rPr lang="vi-VN" smtClean="0"/>
-              <a:t>09/12/2023</a:t>
+              <a:t>16/12/2023</a:t>
             </a:fld>
             <a:endParaRPr lang="vi-VN"/>
           </a:p>
@@ -663,7 +663,7 @@
           <a:p>
             <a:fld id="{180209D3-E5C2-4012-9501-CA4736FF4C14}" type="datetimeFigureOut">
               <a:rPr lang="vi-VN" smtClean="0"/>
-              <a:t>09/12/2023</a:t>
+              <a:t>16/12/2023</a:t>
             </a:fld>
             <a:endParaRPr lang="vi-VN"/>
           </a:p>
@@ -833,7 +833,7 @@
           <a:p>
             <a:fld id="{180209D3-E5C2-4012-9501-CA4736FF4C14}" type="datetimeFigureOut">
               <a:rPr lang="vi-VN" smtClean="0"/>
-              <a:t>09/12/2023</a:t>
+              <a:t>16/12/2023</a:t>
             </a:fld>
             <a:endParaRPr lang="vi-VN"/>
           </a:p>
@@ -1079,7 +1079,7 @@
           <a:p>
             <a:fld id="{180209D3-E5C2-4012-9501-CA4736FF4C14}" type="datetimeFigureOut">
               <a:rPr lang="vi-VN" smtClean="0"/>
-              <a:t>09/12/2023</a:t>
+              <a:t>16/12/2023</a:t>
             </a:fld>
             <a:endParaRPr lang="vi-VN"/>
           </a:p>
@@ -1367,7 +1367,7 @@
           <a:p>
             <a:fld id="{180209D3-E5C2-4012-9501-CA4736FF4C14}" type="datetimeFigureOut">
               <a:rPr lang="vi-VN" smtClean="0"/>
-              <a:t>09/12/2023</a:t>
+              <a:t>16/12/2023</a:t>
             </a:fld>
             <a:endParaRPr lang="vi-VN"/>
           </a:p>
@@ -1789,7 +1789,7 @@
           <a:p>
             <a:fld id="{180209D3-E5C2-4012-9501-CA4736FF4C14}" type="datetimeFigureOut">
               <a:rPr lang="vi-VN" smtClean="0"/>
-              <a:t>09/12/2023</a:t>
+              <a:t>16/12/2023</a:t>
             </a:fld>
             <a:endParaRPr lang="vi-VN"/>
           </a:p>
@@ -1907,7 +1907,7 @@
           <a:p>
             <a:fld id="{180209D3-E5C2-4012-9501-CA4736FF4C14}" type="datetimeFigureOut">
               <a:rPr lang="vi-VN" smtClean="0"/>
-              <a:t>09/12/2023</a:t>
+              <a:t>16/12/2023</a:t>
             </a:fld>
             <a:endParaRPr lang="vi-VN"/>
           </a:p>
@@ -2002,7 +2002,7 @@
           <a:p>
             <a:fld id="{180209D3-E5C2-4012-9501-CA4736FF4C14}" type="datetimeFigureOut">
               <a:rPr lang="vi-VN" smtClean="0"/>
-              <a:t>09/12/2023</a:t>
+              <a:t>16/12/2023</a:t>
             </a:fld>
             <a:endParaRPr lang="vi-VN"/>
           </a:p>
@@ -2279,7 +2279,7 @@
           <a:p>
             <a:fld id="{180209D3-E5C2-4012-9501-CA4736FF4C14}" type="datetimeFigureOut">
               <a:rPr lang="vi-VN" smtClean="0"/>
-              <a:t>09/12/2023</a:t>
+              <a:t>16/12/2023</a:t>
             </a:fld>
             <a:endParaRPr lang="vi-VN"/>
           </a:p>
@@ -2536,7 +2536,7 @@
           <a:p>
             <a:fld id="{180209D3-E5C2-4012-9501-CA4736FF4C14}" type="datetimeFigureOut">
               <a:rPr lang="vi-VN" smtClean="0"/>
-              <a:t>09/12/2023</a:t>
+              <a:t>16/12/2023</a:t>
             </a:fld>
             <a:endParaRPr lang="vi-VN"/>
           </a:p>
@@ -2752,7 +2752,7 @@
           <a:p>
             <a:fld id="{180209D3-E5C2-4012-9501-CA4736FF4C14}" type="datetimeFigureOut">
               <a:rPr lang="vi-VN" smtClean="0"/>
-              <a:t>09/12/2023</a:t>
+              <a:t>16/12/2023</a:t>
             </a:fld>
             <a:endParaRPr lang="vi-VN"/>
           </a:p>
@@ -3777,7 +3777,7 @@
         <p:spPr>
           <a:xfrm>
             <a:off x="0" y="5385304"/>
-            <a:ext cx="12192000" cy="830997"/>
+            <a:ext cx="12192000" cy="646331"/>
           </a:xfrm>
           <a:prstGeom prst="rect">
             <a:avLst/>
@@ -3792,14 +3792,14 @@
           <a:p>
             <a:pPr algn="ctr"/>
             <a:r>
-              <a:rPr lang="en-US" sz="4800" b="1" dirty="0">
+              <a:rPr lang="en-US" sz="3600" b="1" dirty="0">
                 <a:solidFill>
                   <a:srgbClr val="660033"/>
                 </a:solidFill>
               </a:rPr>
-              <a:t>( 2 ) ( x2 )</a:t>
-            </a:r>
-            <a:endParaRPr lang="vi-VN" sz="4800" b="1" dirty="0">
+              <a:t>( 2 / 4 )( x2 )</a:t>
+            </a:r>
+            <a:endParaRPr lang="vi-VN" sz="3600" b="1" dirty="0">
               <a:solidFill>
                 <a:srgbClr val="660033"/>
               </a:solidFill>
@@ -4207,7 +4207,7 @@
         <p:spPr>
           <a:xfrm>
             <a:off x="0" y="5385304"/>
-            <a:ext cx="12192000" cy="830997"/>
+            <a:ext cx="12192000" cy="646331"/>
           </a:xfrm>
           <a:prstGeom prst="rect">
             <a:avLst/>
@@ -4222,14 +4222,14 @@
           <a:p>
             <a:pPr algn="ctr"/>
             <a:r>
-              <a:rPr lang="en-US" sz="4800" b="1" dirty="0">
+              <a:rPr lang="en-US" sz="3600" b="1" dirty="0">
                 <a:solidFill>
                   <a:srgbClr val="660033"/>
                 </a:solidFill>
               </a:rPr>
-              <a:t>( 2 )</a:t>
-            </a:r>
-            <a:endParaRPr lang="vi-VN" sz="4800" b="1" dirty="0">
+              <a:t>( 2 / 4 )</a:t>
+            </a:r>
+            <a:endParaRPr lang="vi-VN" sz="3600" b="1" dirty="0">
               <a:solidFill>
                 <a:srgbClr val="660033"/>
               </a:solidFill>
@@ -4659,7 +4659,7 @@
         <p:spPr>
           <a:xfrm>
             <a:off x="0" y="5385304"/>
-            <a:ext cx="12192000" cy="830997"/>
+            <a:ext cx="12192000" cy="646331"/>
           </a:xfrm>
           <a:prstGeom prst="rect">
             <a:avLst/>
@@ -4674,14 +4674,14 @@
           <a:p>
             <a:pPr algn="ctr"/>
             <a:r>
-              <a:rPr lang="en-US" sz="4800" b="1" dirty="0">
+              <a:rPr lang="en-US" sz="3600" b="1" dirty="0">
                 <a:solidFill>
                   <a:srgbClr val="660033"/>
                 </a:solidFill>
               </a:rPr>
-              <a:t>( 3 )</a:t>
-            </a:r>
-            <a:endParaRPr lang="vi-VN" sz="4800" b="1" dirty="0">
+              <a:t>( 3 / 4 )</a:t>
+            </a:r>
+            <a:endParaRPr lang="vi-VN" sz="3600" b="1" dirty="0">
               <a:solidFill>
                 <a:srgbClr val="660033"/>
               </a:solidFill>
@@ -5067,7 +5067,7 @@
         <p:spPr>
           <a:xfrm>
             <a:off x="0" y="5385304"/>
-            <a:ext cx="12192000" cy="830997"/>
+            <a:ext cx="12192000" cy="646331"/>
           </a:xfrm>
           <a:prstGeom prst="rect">
             <a:avLst/>
@@ -5082,14 +5082,14 @@
           <a:p>
             <a:pPr algn="ctr"/>
             <a:r>
-              <a:rPr lang="en-US" sz="4800" b="1" dirty="0">
+              <a:rPr lang="en-US" sz="3600" b="1" dirty="0">
                 <a:solidFill>
                   <a:srgbClr val="660033"/>
                 </a:solidFill>
               </a:rPr>
-              <a:t>( 3 )</a:t>
-            </a:r>
-            <a:endParaRPr lang="vi-VN" sz="4800" b="1" dirty="0">
+              <a:t>( 3 / 4 )</a:t>
+            </a:r>
+            <a:endParaRPr lang="vi-VN" sz="3600" b="1" dirty="0">
               <a:solidFill>
                 <a:srgbClr val="660033"/>
               </a:solidFill>
@@ -5519,7 +5519,7 @@
         <p:spPr>
           <a:xfrm>
             <a:off x="0" y="5385304"/>
-            <a:ext cx="12192000" cy="830997"/>
+            <a:ext cx="12192000" cy="646331"/>
           </a:xfrm>
           <a:prstGeom prst="rect">
             <a:avLst/>
@@ -5534,14 +5534,14 @@
           <a:p>
             <a:pPr algn="ctr"/>
             <a:r>
-              <a:rPr lang="en-US" sz="4800" b="1" dirty="0">
+              <a:rPr lang="en-US" sz="3600" b="1" dirty="0">
                 <a:solidFill>
                   <a:srgbClr val="660033"/>
                 </a:solidFill>
               </a:rPr>
-              <a:t>( 3 )</a:t>
-            </a:r>
-            <a:endParaRPr lang="vi-VN" sz="4800" b="1" dirty="0">
+              <a:t>( 3 / 4 )</a:t>
+            </a:r>
+            <a:endParaRPr lang="vi-VN" sz="3600" b="1" dirty="0">
               <a:solidFill>
                 <a:srgbClr val="660033"/>
               </a:solidFill>
@@ -5927,7 +5927,7 @@
         <p:spPr>
           <a:xfrm>
             <a:off x="0" y="5385304"/>
-            <a:ext cx="12192000" cy="830997"/>
+            <a:ext cx="12192000" cy="646331"/>
           </a:xfrm>
           <a:prstGeom prst="rect">
             <a:avLst/>
@@ -5942,14 +5942,14 @@
           <a:p>
             <a:pPr algn="ctr"/>
             <a:r>
-              <a:rPr lang="en-US" sz="4800" b="1" dirty="0">
+              <a:rPr lang="en-US" sz="3600" b="1" dirty="0">
                 <a:solidFill>
                   <a:srgbClr val="660033"/>
                 </a:solidFill>
               </a:rPr>
-              <a:t>( 3 ) ( x2 )</a:t>
-            </a:r>
-            <a:endParaRPr lang="vi-VN" sz="4800" b="1" dirty="0">
+              <a:t>( 3 / 4 )( x2 )</a:t>
+            </a:r>
+            <a:endParaRPr lang="vi-VN" sz="3600" b="1" dirty="0">
               <a:solidFill>
                 <a:srgbClr val="660033"/>
               </a:solidFill>
@@ -6379,7 +6379,7 @@
         <p:spPr>
           <a:xfrm>
             <a:off x="0" y="5385304"/>
-            <a:ext cx="12192000" cy="830997"/>
+            <a:ext cx="12192000" cy="646331"/>
           </a:xfrm>
           <a:prstGeom prst="rect">
             <a:avLst/>
@@ -6394,14 +6394,14 @@
           <a:p>
             <a:pPr algn="ctr"/>
             <a:r>
-              <a:rPr lang="en-US" sz="4800" b="1" dirty="0">
+              <a:rPr lang="en-US" sz="3600" b="1" dirty="0">
                 <a:solidFill>
                   <a:srgbClr val="660033"/>
                 </a:solidFill>
               </a:rPr>
-              <a:t>( 3 )</a:t>
-            </a:r>
-            <a:endParaRPr lang="vi-VN" sz="4800" b="1" dirty="0">
+              <a:t>( 3 / 4 )</a:t>
+            </a:r>
+            <a:endParaRPr lang="vi-VN" sz="3600" b="1" dirty="0">
               <a:solidFill>
                 <a:srgbClr val="660033"/>
               </a:solidFill>
@@ -6831,7 +6831,7 @@
         <p:spPr>
           <a:xfrm>
             <a:off x="0" y="5385304"/>
-            <a:ext cx="12192000" cy="830997"/>
+            <a:ext cx="12192000" cy="646331"/>
           </a:xfrm>
           <a:prstGeom prst="rect">
             <a:avLst/>
@@ -6846,14 +6846,14 @@
           <a:p>
             <a:pPr algn="ctr"/>
             <a:r>
-              <a:rPr lang="en-US" sz="4800" b="1" dirty="0">
+              <a:rPr lang="en-US" sz="3600" b="1" dirty="0">
                 <a:solidFill>
                   <a:srgbClr val="660033"/>
                 </a:solidFill>
               </a:rPr>
-              <a:t>( 4 )</a:t>
-            </a:r>
-            <a:endParaRPr lang="vi-VN" sz="4800" b="1" dirty="0">
+              <a:t>( 4 / 4 )</a:t>
+            </a:r>
+            <a:endParaRPr lang="vi-VN" sz="3600" b="1" dirty="0">
               <a:solidFill>
                 <a:srgbClr val="660033"/>
               </a:solidFill>
@@ -7239,7 +7239,7 @@
         <p:spPr>
           <a:xfrm>
             <a:off x="0" y="5385304"/>
-            <a:ext cx="12192000" cy="830997"/>
+            <a:ext cx="12192000" cy="646331"/>
           </a:xfrm>
           <a:prstGeom prst="rect">
             <a:avLst/>
@@ -7254,14 +7254,14 @@
           <a:p>
             <a:pPr algn="ctr"/>
             <a:r>
-              <a:rPr lang="en-US" sz="4800" b="1" dirty="0">
+              <a:rPr lang="en-US" sz="3600" b="1" dirty="0">
                 <a:solidFill>
                   <a:srgbClr val="660033"/>
                 </a:solidFill>
               </a:rPr>
-              <a:t>( 4 )</a:t>
-            </a:r>
-            <a:endParaRPr lang="vi-VN" sz="4800" b="1" dirty="0">
+              <a:t>( 4 / 4 )</a:t>
+            </a:r>
+            <a:endParaRPr lang="vi-VN" sz="3600" b="1" dirty="0">
               <a:solidFill>
                 <a:srgbClr val="660033"/>
               </a:solidFill>
@@ -7691,7 +7691,7 @@
         <p:spPr>
           <a:xfrm>
             <a:off x="0" y="5385304"/>
-            <a:ext cx="12192000" cy="830997"/>
+            <a:ext cx="12192000" cy="646331"/>
           </a:xfrm>
           <a:prstGeom prst="rect">
             <a:avLst/>
@@ -7706,14 +7706,14 @@
           <a:p>
             <a:pPr algn="ctr"/>
             <a:r>
-              <a:rPr lang="en-US" sz="4800" b="1" dirty="0">
+              <a:rPr lang="en-US" sz="3600" b="1" dirty="0">
                 <a:solidFill>
                   <a:srgbClr val="660033"/>
                 </a:solidFill>
               </a:rPr>
-              <a:t>( 4 )</a:t>
-            </a:r>
-            <a:endParaRPr lang="vi-VN" sz="4800" b="1" dirty="0">
+              <a:t>( 4 / 4 )</a:t>
+            </a:r>
+            <a:endParaRPr lang="vi-VN" sz="3600" b="1" dirty="0">
               <a:solidFill>
                 <a:srgbClr val="660033"/>
               </a:solidFill>
@@ -8121,7 +8121,7 @@
         <p:spPr>
           <a:xfrm>
             <a:off x="0" y="5385304"/>
-            <a:ext cx="12192000" cy="830997"/>
+            <a:ext cx="12192000" cy="646331"/>
           </a:xfrm>
           <a:prstGeom prst="rect">
             <a:avLst/>
@@ -8136,14 +8136,14 @@
           <a:p>
             <a:pPr algn="ctr"/>
             <a:r>
-              <a:rPr lang="en-US" sz="4800" b="1" dirty="0">
+              <a:rPr lang="en-US" sz="3600" b="1" dirty="0">
                 <a:solidFill>
                   <a:srgbClr val="660033"/>
                 </a:solidFill>
               </a:rPr>
-              <a:t>( 1 )</a:t>
-            </a:r>
-            <a:endParaRPr lang="vi-VN" sz="4800" b="1" dirty="0">
+              <a:t>( 1 / 4 )</a:t>
+            </a:r>
+            <a:endParaRPr lang="vi-VN" sz="3600" b="1" dirty="0">
               <a:solidFill>
                 <a:srgbClr val="660033"/>
               </a:solidFill>
@@ -8529,7 +8529,7 @@
         <p:spPr>
           <a:xfrm>
             <a:off x="0" y="5385304"/>
-            <a:ext cx="12192000" cy="830997"/>
+            <a:ext cx="12192000" cy="646331"/>
           </a:xfrm>
           <a:prstGeom prst="rect">
             <a:avLst/>
@@ -8544,14 +8544,14 @@
           <a:p>
             <a:pPr algn="ctr"/>
             <a:r>
-              <a:rPr lang="en-US" sz="4800" b="1" dirty="0">
+              <a:rPr lang="en-US" sz="3600" b="1" dirty="0">
                 <a:solidFill>
                   <a:srgbClr val="660033"/>
                 </a:solidFill>
               </a:rPr>
-              <a:t>( 4 ) ( x2 )</a:t>
-            </a:r>
-            <a:endParaRPr lang="vi-VN" sz="4800" b="1" dirty="0">
+              <a:t>( 4 / 4 )( x2 )</a:t>
+            </a:r>
+            <a:endParaRPr lang="vi-VN" sz="3600" b="1" dirty="0">
               <a:solidFill>
                 <a:srgbClr val="660033"/>
               </a:solidFill>
@@ -8959,7 +8959,7 @@
         <p:spPr>
           <a:xfrm>
             <a:off x="0" y="5385304"/>
-            <a:ext cx="12192000" cy="830997"/>
+            <a:ext cx="12192000" cy="646331"/>
           </a:xfrm>
           <a:prstGeom prst="rect">
             <a:avLst/>
@@ -8974,14 +8974,14 @@
           <a:p>
             <a:pPr algn="ctr"/>
             <a:r>
-              <a:rPr lang="en-US" sz="4800" b="1" dirty="0">
+              <a:rPr lang="en-US" sz="3600" b="1" dirty="0">
                 <a:solidFill>
                   <a:srgbClr val="660033"/>
                 </a:solidFill>
               </a:rPr>
-              <a:t>( 4 )</a:t>
-            </a:r>
-            <a:endParaRPr lang="vi-VN" sz="4800" b="1" dirty="0">
+              <a:t>( 4 / 4 )</a:t>
+            </a:r>
+            <a:endParaRPr lang="vi-VN" sz="3600" b="1" dirty="0">
               <a:solidFill>
                 <a:srgbClr val="660033"/>
               </a:solidFill>
@@ -9367,7 +9367,7 @@
         <p:spPr>
           <a:xfrm>
             <a:off x="0" y="5385304"/>
-            <a:ext cx="12192000" cy="830997"/>
+            <a:ext cx="12192000" cy="646331"/>
           </a:xfrm>
           <a:prstGeom prst="rect">
             <a:avLst/>
@@ -9382,14 +9382,14 @@
           <a:p>
             <a:pPr algn="ctr"/>
             <a:r>
-              <a:rPr lang="en-US" sz="4800" b="1" dirty="0">
+              <a:rPr lang="en-US" sz="3600" b="1" dirty="0">
                 <a:solidFill>
                   <a:srgbClr val="660033"/>
                 </a:solidFill>
               </a:rPr>
-              <a:t>( 1 )</a:t>
-            </a:r>
-            <a:endParaRPr lang="vi-VN" sz="4800" b="1" dirty="0">
+              <a:t>( 1 / 4 )</a:t>
+            </a:r>
+            <a:endParaRPr lang="vi-VN" sz="3600" b="1" dirty="0">
               <a:solidFill>
                 <a:srgbClr val="660033"/>
               </a:solidFill>
@@ -9797,7 +9797,7 @@
         <p:spPr>
           <a:xfrm>
             <a:off x="0" y="5385304"/>
-            <a:ext cx="12192000" cy="830997"/>
+            <a:ext cx="12192000" cy="646331"/>
           </a:xfrm>
           <a:prstGeom prst="rect">
             <a:avLst/>
@@ -9812,14 +9812,14 @@
           <a:p>
             <a:pPr algn="ctr"/>
             <a:r>
-              <a:rPr lang="en-US" sz="4800" b="1" dirty="0">
+              <a:rPr lang="en-US" sz="3600" b="1" dirty="0">
                 <a:solidFill>
                   <a:srgbClr val="660033"/>
                 </a:solidFill>
               </a:rPr>
-              <a:t>( 1 )</a:t>
-            </a:r>
-            <a:endParaRPr lang="vi-VN" sz="4800" b="1" dirty="0">
+              <a:t>( 1 / 4 )</a:t>
+            </a:r>
+            <a:endParaRPr lang="vi-VN" sz="3600" b="1" dirty="0">
               <a:solidFill>
                 <a:srgbClr val="660033"/>
               </a:solidFill>
@@ -10205,7 +10205,7 @@
         <p:spPr>
           <a:xfrm>
             <a:off x="0" y="5385304"/>
-            <a:ext cx="12192000" cy="830997"/>
+            <a:ext cx="12192000" cy="646331"/>
           </a:xfrm>
           <a:prstGeom prst="rect">
             <a:avLst/>
@@ -10220,14 +10220,14 @@
           <a:p>
             <a:pPr algn="ctr"/>
             <a:r>
-              <a:rPr lang="en-US" sz="4800" b="1" dirty="0">
+              <a:rPr lang="en-US" sz="3600" b="1" dirty="0">
                 <a:solidFill>
                   <a:srgbClr val="660033"/>
                 </a:solidFill>
               </a:rPr>
-              <a:t>( 1 ) ( x2 )</a:t>
-            </a:r>
-            <a:endParaRPr lang="vi-VN" sz="4800" b="1" dirty="0">
+              <a:t>( 1 / 4 )( x2 )</a:t>
+            </a:r>
+            <a:endParaRPr lang="vi-VN" sz="3600" b="1" dirty="0">
               <a:solidFill>
                 <a:srgbClr val="660033"/>
               </a:solidFill>
@@ -10635,7 +10635,7 @@
         <p:spPr>
           <a:xfrm>
             <a:off x="0" y="5385304"/>
-            <a:ext cx="12192000" cy="830997"/>
+            <a:ext cx="12192000" cy="646331"/>
           </a:xfrm>
           <a:prstGeom prst="rect">
             <a:avLst/>
@@ -10650,14 +10650,14 @@
           <a:p>
             <a:pPr algn="ctr"/>
             <a:r>
-              <a:rPr lang="en-US" sz="4800" b="1" dirty="0">
+              <a:rPr lang="en-US" sz="3600" b="1" dirty="0">
                 <a:solidFill>
                   <a:srgbClr val="660033"/>
                 </a:solidFill>
               </a:rPr>
-              <a:t>( 1 )</a:t>
-            </a:r>
-            <a:endParaRPr lang="vi-VN" sz="4800" b="1" dirty="0">
+              <a:t>( 1 / 4 )</a:t>
+            </a:r>
+            <a:endParaRPr lang="vi-VN" sz="3600" b="1" dirty="0">
               <a:solidFill>
                 <a:srgbClr val="660033"/>
               </a:solidFill>
@@ -11065,7 +11065,7 @@
         <p:spPr>
           <a:xfrm>
             <a:off x="0" y="5385304"/>
-            <a:ext cx="12192000" cy="830997"/>
+            <a:ext cx="12192000" cy="646331"/>
           </a:xfrm>
           <a:prstGeom prst="rect">
             <a:avLst/>
@@ -11080,14 +11080,14 @@
           <a:p>
             <a:pPr algn="ctr"/>
             <a:r>
-              <a:rPr lang="en-US" sz="4800" b="1" dirty="0">
+              <a:rPr lang="en-US" sz="3600" b="1" dirty="0">
                 <a:solidFill>
                   <a:srgbClr val="660033"/>
                 </a:solidFill>
               </a:rPr>
-              <a:t>( 2 )</a:t>
-            </a:r>
-            <a:endParaRPr lang="vi-VN" sz="4800" b="1" dirty="0">
+              <a:t>( 2 / 4 )</a:t>
+            </a:r>
+            <a:endParaRPr lang="vi-VN" sz="3600" b="1" dirty="0">
               <a:solidFill>
                 <a:srgbClr val="660033"/>
               </a:solidFill>
@@ -11451,7 +11451,7 @@
         <p:spPr>
           <a:xfrm>
             <a:off x="0" y="5385304"/>
-            <a:ext cx="12192000" cy="830997"/>
+            <a:ext cx="12192000" cy="646331"/>
           </a:xfrm>
           <a:prstGeom prst="rect">
             <a:avLst/>
@@ -11466,14 +11466,14 @@
           <a:p>
             <a:pPr algn="ctr"/>
             <a:r>
-              <a:rPr lang="en-US" sz="4800" b="1" dirty="0">
+              <a:rPr lang="en-US" sz="3600" b="1" dirty="0">
                 <a:solidFill>
                   <a:srgbClr val="660033"/>
                 </a:solidFill>
               </a:rPr>
-              <a:t>( 2 )</a:t>
-            </a:r>
-            <a:endParaRPr lang="vi-VN" sz="4800" b="1" dirty="0">
+              <a:t>( 2 / 4 )</a:t>
+            </a:r>
+            <a:endParaRPr lang="vi-VN" sz="3600" b="1" dirty="0">
               <a:solidFill>
                 <a:srgbClr val="660033"/>
               </a:solidFill>
@@ -11881,7 +11881,7 @@
         <p:spPr>
           <a:xfrm>
             <a:off x="0" y="5385304"/>
-            <a:ext cx="12192000" cy="830997"/>
+            <a:ext cx="12192000" cy="646331"/>
           </a:xfrm>
           <a:prstGeom prst="rect">
             <a:avLst/>
@@ -11896,14 +11896,14 @@
           <a:p>
             <a:pPr algn="ctr"/>
             <a:r>
-              <a:rPr lang="en-US" sz="4800" b="1" dirty="0">
+              <a:rPr lang="en-US" sz="3600" b="1" dirty="0">
                 <a:solidFill>
                   <a:srgbClr val="660033"/>
                 </a:solidFill>
               </a:rPr>
-              <a:t>( 2 )</a:t>
-            </a:r>
-            <a:endParaRPr lang="vi-VN" sz="4800" b="1" dirty="0">
+              <a:t>( 2 / 4 )</a:t>
+            </a:r>
+            <a:endParaRPr lang="vi-VN" sz="3600" b="1" dirty="0">
               <a:solidFill>
                 <a:srgbClr val="660033"/>
               </a:solidFill>
